--- a/elk/thumb.pptx
+++ b/elk/thumb.pptx
@@ -241,7 +241,7 @@
           <a:p>
             <a:fld id="{BD7D95CD-B527-4428-AC59-95FD70CCAD37}" type="datetimeFigureOut">
               <a:rPr lang="en-US" smtClean="0"/>
-              <a:t>5/9/20</a:t>
+              <a:t>5/15/20</a:t>
             </a:fld>
             <a:endParaRPr lang="en-US"/>
           </a:p>
@@ -409,7 +409,7 @@
           <a:p>
             <a:fld id="{BD7D95CD-B527-4428-AC59-95FD70CCAD37}" type="datetimeFigureOut">
               <a:rPr lang="en-US" smtClean="0"/>
-              <a:t>5/9/20</a:t>
+              <a:t>5/15/20</a:t>
             </a:fld>
             <a:endParaRPr lang="en-US"/>
           </a:p>
@@ -587,7 +587,7 @@
           <a:p>
             <a:fld id="{BD7D95CD-B527-4428-AC59-95FD70CCAD37}" type="datetimeFigureOut">
               <a:rPr lang="en-US" smtClean="0"/>
-              <a:t>5/9/20</a:t>
+              <a:t>5/15/20</a:t>
             </a:fld>
             <a:endParaRPr lang="en-US"/>
           </a:p>
@@ -755,7 +755,7 @@
           <a:p>
             <a:fld id="{BD7D95CD-B527-4428-AC59-95FD70CCAD37}" type="datetimeFigureOut">
               <a:rPr lang="en-US" smtClean="0"/>
-              <a:t>5/9/20</a:t>
+              <a:t>5/15/20</a:t>
             </a:fld>
             <a:endParaRPr lang="en-US"/>
           </a:p>
@@ -1000,7 +1000,7 @@
           <a:p>
             <a:fld id="{BD7D95CD-B527-4428-AC59-95FD70CCAD37}" type="datetimeFigureOut">
               <a:rPr lang="en-US" smtClean="0"/>
-              <a:t>5/9/20</a:t>
+              <a:t>5/15/20</a:t>
             </a:fld>
             <a:endParaRPr lang="en-US"/>
           </a:p>
@@ -1229,7 +1229,7 @@
           <a:p>
             <a:fld id="{BD7D95CD-B527-4428-AC59-95FD70CCAD37}" type="datetimeFigureOut">
               <a:rPr lang="en-US" smtClean="0"/>
-              <a:t>5/9/20</a:t>
+              <a:t>5/15/20</a:t>
             </a:fld>
             <a:endParaRPr lang="en-US"/>
           </a:p>
@@ -1593,7 +1593,7 @@
           <a:p>
             <a:fld id="{BD7D95CD-B527-4428-AC59-95FD70CCAD37}" type="datetimeFigureOut">
               <a:rPr lang="en-US" smtClean="0"/>
-              <a:t>5/9/20</a:t>
+              <a:t>5/15/20</a:t>
             </a:fld>
             <a:endParaRPr lang="en-US"/>
           </a:p>
@@ -1710,7 +1710,7 @@
           <a:p>
             <a:fld id="{BD7D95CD-B527-4428-AC59-95FD70CCAD37}" type="datetimeFigureOut">
               <a:rPr lang="en-US" smtClean="0"/>
-              <a:t>5/9/20</a:t>
+              <a:t>5/15/20</a:t>
             </a:fld>
             <a:endParaRPr lang="en-US"/>
           </a:p>
@@ -1805,7 +1805,7 @@
           <a:p>
             <a:fld id="{BD7D95CD-B527-4428-AC59-95FD70CCAD37}" type="datetimeFigureOut">
               <a:rPr lang="en-US" smtClean="0"/>
-              <a:t>5/9/20</a:t>
+              <a:t>5/15/20</a:t>
             </a:fld>
             <a:endParaRPr lang="en-US"/>
           </a:p>
@@ -2080,7 +2080,7 @@
           <a:p>
             <a:fld id="{BD7D95CD-B527-4428-AC59-95FD70CCAD37}" type="datetimeFigureOut">
               <a:rPr lang="en-US" smtClean="0"/>
-              <a:t>5/9/20</a:t>
+              <a:t>5/15/20</a:t>
             </a:fld>
             <a:endParaRPr lang="en-US"/>
           </a:p>
@@ -2332,7 +2332,7 @@
           <a:p>
             <a:fld id="{BD7D95CD-B527-4428-AC59-95FD70CCAD37}" type="datetimeFigureOut">
               <a:rPr lang="en-US" smtClean="0"/>
-              <a:t>5/9/20</a:t>
+              <a:t>5/15/20</a:t>
             </a:fld>
             <a:endParaRPr lang="en-US"/>
           </a:p>
@@ -2546,7 +2546,7 @@
           <a:p>
             <a:fld id="{BD7D95CD-B527-4428-AC59-95FD70CCAD37}" type="datetimeFigureOut">
               <a:rPr lang="en-US" smtClean="0"/>
-              <a:t>5/9/20</a:t>
+              <a:t>5/15/20</a:t>
             </a:fld>
             <a:endParaRPr lang="en-US"/>
           </a:p>
@@ -3041,7 +3041,7 @@
             <a:pPr algn="ctr"/>
             <a:r>
               <a:rPr lang="en-US" sz="9600" b="1" dirty="0"/>
-              <a:t>06</a:t>
+              <a:t>07</a:t>
             </a:r>
             <a:endParaRPr lang="en-US" sz="8000" b="1" dirty="0"/>
           </a:p>
@@ -3055,8 +3055,8 @@
         </p:nvSpPr>
         <p:spPr>
           <a:xfrm>
-            <a:off x="5383952" y="1541049"/>
-            <a:ext cx="7367544" cy="4093428"/>
+            <a:off x="5393680" y="1959339"/>
+            <a:ext cx="7367544" cy="2554545"/>
           </a:xfrm>
           <a:prstGeom prst="rect">
             <a:avLst/>
@@ -3083,12 +3083,12 @@
                   </a:outerShdw>
                 </a:effectLst>
               </a:rPr>
-              <a:t>ELK</a:t>
-            </a:r>
-          </a:p>
-          <a:p>
-            <a:r>
-              <a:rPr lang="en-US" sz="6000" b="1" dirty="0">
+              <a:t>WordPress</a:t>
+            </a:r>
+          </a:p>
+          <a:p>
+            <a:r>
+              <a:rPr lang="en-US" sz="8000" b="1" dirty="0" err="1">
                 <a:ln w="0"/>
                 <a:solidFill>
                   <a:schemeClr val="bg1"/>
@@ -3101,44 +3101,21 @@
                   </a:outerShdw>
                 </a:effectLst>
               </a:rPr>
-              <a:t>Elasticsearch</a:t>
-            </a:r>
-          </a:p>
-          <a:p>
-            <a:r>
-              <a:rPr lang="en-US" sz="6000" b="1" dirty="0">
-                <a:ln w="0"/>
-                <a:solidFill>
-                  <a:schemeClr val="bg1"/>
-                </a:solidFill>
-                <a:effectLst>
-                  <a:outerShdw blurRad="38100" dist="19050" dir="2700000" algn="tl" rotWithShape="0">
-                    <a:schemeClr val="dk1">
-                      <a:alpha val="40000"/>
-                    </a:schemeClr>
-                  </a:outerShdw>
-                </a:effectLst>
-              </a:rPr>
-              <a:t>Logstash</a:t>
-            </a:r>
-          </a:p>
-          <a:p>
-            <a:r>
-              <a:rPr lang="en-US" sz="6000" b="1" dirty="0">
-                <a:ln w="0"/>
-                <a:solidFill>
-                  <a:schemeClr val="bg1"/>
-                </a:solidFill>
-                <a:effectLst>
-                  <a:outerShdw blurRad="38100" dist="19050" dir="2700000" algn="tl" rotWithShape="0">
-                    <a:schemeClr val="dk1">
-                      <a:alpha val="40000"/>
-                    </a:schemeClr>
-                  </a:outerShdw>
-                </a:effectLst>
-              </a:rPr>
-              <a:t>Kibana</a:t>
-            </a:r>
+              <a:t>ElasticPress</a:t>
+            </a:r>
+            <a:endParaRPr lang="en-US" sz="6000" b="1" dirty="0">
+              <a:ln w="0"/>
+              <a:solidFill>
+                <a:schemeClr val="bg1"/>
+              </a:solidFill>
+              <a:effectLst>
+                <a:outerShdw blurRad="38100" dist="19050" dir="2700000" algn="tl" rotWithShape="0">
+                  <a:schemeClr val="dk1">
+                    <a:alpha val="40000"/>
+                  </a:schemeClr>
+                </a:outerShdw>
+              </a:effectLst>
+            </a:endParaRPr>
           </a:p>
         </p:txBody>
       </p:sp>
